--- a/IWSM_2022_Poster.pptx
+++ b/IWSM_2022_Poster.pptx
@@ -6199,8 +6199,8 @@
           </a:p>
         </p:txBody>
       </p:sp>
-      <mc:AlternateContent xmlns:mc="http://schemas.openxmlformats.org/markup-compatibility/2006">
-        <mc:Choice xmlns:a14="http://schemas.microsoft.com/office/drawing/2010/main" Requires="a14">
+      <mc:AlternateContent xmlns:mc="http://schemas.openxmlformats.org/markup-compatibility/2006" xmlns:a14="http://schemas.microsoft.com/office/drawing/2010/main">
+        <mc:Choice Requires="a14">
           <p:sp>
             <p:nvSpPr>
               <p:cNvPr id="94" name="TextBox 93"/>
@@ -6428,7 +6428,7 @@
             </p:txBody>
           </p:sp>
         </mc:Choice>
-        <mc:Fallback>
+        <mc:Fallback xmlns="">
           <p:sp>
             <p:nvSpPr>
               <p:cNvPr id="94" name="TextBox 93"/>
@@ -6470,8 +6470,8 @@
           </p:sp>
         </mc:Fallback>
       </mc:AlternateContent>
-      <mc:AlternateContent xmlns:mc="http://schemas.openxmlformats.org/markup-compatibility/2006">
-        <mc:Choice xmlns:a14="http://schemas.microsoft.com/office/drawing/2010/main" Requires="a14">
+      <mc:AlternateContent xmlns:mc="http://schemas.openxmlformats.org/markup-compatibility/2006" xmlns:a14="http://schemas.microsoft.com/office/drawing/2010/main">
+        <mc:Choice Requires="a14">
           <p:sp>
             <p:nvSpPr>
               <p:cNvPr id="95" name="TextBox 94"/>
@@ -6604,7 +6604,7 @@
             </p:txBody>
           </p:sp>
         </mc:Choice>
-        <mc:Fallback>
+        <mc:Fallback xmlns="">
           <p:sp>
             <p:nvSpPr>
               <p:cNvPr id="95" name="TextBox 94"/>
@@ -6643,8 +6643,8 @@
           </p:sp>
         </mc:Fallback>
       </mc:AlternateContent>
-      <mc:AlternateContent xmlns:mc="http://schemas.openxmlformats.org/markup-compatibility/2006">
-        <mc:Choice xmlns:a14="http://schemas.microsoft.com/office/drawing/2010/main" Requires="a14">
+      <mc:AlternateContent xmlns:mc="http://schemas.openxmlformats.org/markup-compatibility/2006" xmlns:a14="http://schemas.microsoft.com/office/drawing/2010/main">
+        <mc:Choice Requires="a14">
           <p:sp>
             <p:nvSpPr>
               <p:cNvPr id="96" name="TextBox 95"/>
@@ -6780,7 +6780,7 @@
             </p:txBody>
           </p:sp>
         </mc:Choice>
-        <mc:Fallback>
+        <mc:Fallback xmlns="">
           <p:sp>
             <p:nvSpPr>
               <p:cNvPr id="96" name="TextBox 95"/>
@@ -6819,8 +6819,8 @@
           </p:sp>
         </mc:Fallback>
       </mc:AlternateContent>
-      <mc:AlternateContent xmlns:mc="http://schemas.openxmlformats.org/markup-compatibility/2006">
-        <mc:Choice xmlns:a14="http://schemas.microsoft.com/office/drawing/2010/main" Requires="a14">
+      <mc:AlternateContent xmlns:mc="http://schemas.openxmlformats.org/markup-compatibility/2006" xmlns:a14="http://schemas.microsoft.com/office/drawing/2010/main">
+        <mc:Choice Requires="a14">
           <p:sp>
             <p:nvSpPr>
               <p:cNvPr id="97" name="TextBox 96"/>
@@ -6926,7 +6926,7 @@
             </p:txBody>
           </p:sp>
         </mc:Choice>
-        <mc:Fallback>
+        <mc:Fallback xmlns="">
           <p:sp>
             <p:nvSpPr>
               <p:cNvPr id="97" name="TextBox 96"/>
@@ -6965,8 +6965,8 @@
           </p:sp>
         </mc:Fallback>
       </mc:AlternateContent>
-      <mc:AlternateContent xmlns:mc="http://schemas.openxmlformats.org/markup-compatibility/2006">
-        <mc:Choice xmlns:a14="http://schemas.microsoft.com/office/drawing/2010/main" Requires="a14">
+      <mc:AlternateContent xmlns:mc="http://schemas.openxmlformats.org/markup-compatibility/2006" xmlns:a14="http://schemas.microsoft.com/office/drawing/2010/main">
+        <mc:Choice Requires="a14">
           <p:sp>
             <p:nvSpPr>
               <p:cNvPr id="98" name="TextBox 97"/>
@@ -7148,7 +7148,7 @@
             </p:txBody>
           </p:sp>
         </mc:Choice>
-        <mc:Fallback>
+        <mc:Fallback xmlns="">
           <p:sp>
             <p:nvSpPr>
               <p:cNvPr id="98" name="TextBox 97"/>
@@ -7358,8 +7358,8 @@
           </a:p>
         </p:txBody>
       </p:sp>
-      <mc:AlternateContent xmlns:mc="http://schemas.openxmlformats.org/markup-compatibility/2006">
-        <mc:Choice xmlns:a14="http://schemas.microsoft.com/office/drawing/2010/main" Requires="a14">
+      <mc:AlternateContent xmlns:mc="http://schemas.openxmlformats.org/markup-compatibility/2006" xmlns:a14="http://schemas.microsoft.com/office/drawing/2010/main">
+        <mc:Choice Requires="a14">
           <p:sp>
             <p:nvSpPr>
               <p:cNvPr id="100" name="TextBox 99"/>
@@ -7443,7 +7443,7 @@
             </p:txBody>
           </p:sp>
         </mc:Choice>
-        <mc:Fallback>
+        <mc:Fallback xmlns="">
           <p:sp>
             <p:nvSpPr>
               <p:cNvPr id="100" name="TextBox 99"/>
@@ -7482,8 +7482,8 @@
           </p:sp>
         </mc:Fallback>
       </mc:AlternateContent>
-      <mc:AlternateContent xmlns:mc="http://schemas.openxmlformats.org/markup-compatibility/2006">
-        <mc:Choice xmlns:a14="http://schemas.microsoft.com/office/drawing/2010/main" Requires="a14">
+      <mc:AlternateContent xmlns:mc="http://schemas.openxmlformats.org/markup-compatibility/2006" xmlns:a14="http://schemas.microsoft.com/office/drawing/2010/main">
+        <mc:Choice Requires="a14">
           <p:sp>
             <p:nvSpPr>
               <p:cNvPr id="101" name="TextBox 100"/>
@@ -7567,7 +7567,7 @@
             </p:txBody>
           </p:sp>
         </mc:Choice>
-        <mc:Fallback>
+        <mc:Fallback xmlns="">
           <p:sp>
             <p:nvSpPr>
               <p:cNvPr id="101" name="TextBox 100"/>
@@ -7606,8 +7606,8 @@
           </p:sp>
         </mc:Fallback>
       </mc:AlternateContent>
-      <mc:AlternateContent xmlns:mc="http://schemas.openxmlformats.org/markup-compatibility/2006">
-        <mc:Choice xmlns:a14="http://schemas.microsoft.com/office/drawing/2010/main" Requires="a14">
+      <mc:AlternateContent xmlns:mc="http://schemas.openxmlformats.org/markup-compatibility/2006" xmlns:a14="http://schemas.microsoft.com/office/drawing/2010/main">
+        <mc:Choice Requires="a14">
           <p:sp>
             <p:nvSpPr>
               <p:cNvPr id="102" name="TextBox 101"/>
@@ -7691,7 +7691,7 @@
             </p:txBody>
           </p:sp>
         </mc:Choice>
-        <mc:Fallback>
+        <mc:Fallback xmlns="">
           <p:sp>
             <p:nvSpPr>
               <p:cNvPr id="102" name="TextBox 101"/>
@@ -7730,8 +7730,8 @@
           </p:sp>
         </mc:Fallback>
       </mc:AlternateContent>
-      <mc:AlternateContent xmlns:mc="http://schemas.openxmlformats.org/markup-compatibility/2006">
-        <mc:Choice xmlns:a14="http://schemas.microsoft.com/office/drawing/2010/main" Requires="a14">
+      <mc:AlternateContent xmlns:mc="http://schemas.openxmlformats.org/markup-compatibility/2006" xmlns:a14="http://schemas.microsoft.com/office/drawing/2010/main">
+        <mc:Choice Requires="a14">
           <p:sp>
             <p:nvSpPr>
               <p:cNvPr id="103" name="TextBox 102"/>
@@ -7815,7 +7815,7 @@
             </p:txBody>
           </p:sp>
         </mc:Choice>
-        <mc:Fallback>
+        <mc:Fallback xmlns="">
           <p:sp>
             <p:nvSpPr>
               <p:cNvPr id="103" name="TextBox 102"/>
@@ -7854,8 +7854,8 @@
           </p:sp>
         </mc:Fallback>
       </mc:AlternateContent>
-      <mc:AlternateContent xmlns:mc="http://schemas.openxmlformats.org/markup-compatibility/2006">
-        <mc:Choice xmlns:a14="http://schemas.microsoft.com/office/drawing/2010/main" Requires="a14">
+      <mc:AlternateContent xmlns:mc="http://schemas.openxmlformats.org/markup-compatibility/2006" xmlns:a14="http://schemas.microsoft.com/office/drawing/2010/main">
+        <mc:Choice Requires="a14">
           <p:sp>
             <p:nvSpPr>
               <p:cNvPr id="104" name="TextBox 103"/>
@@ -7917,7 +7917,7 @@
             </p:txBody>
           </p:sp>
         </mc:Choice>
-        <mc:Fallback>
+        <mc:Fallback xmlns="">
           <p:sp>
             <p:nvSpPr>
               <p:cNvPr id="104" name="TextBox 103"/>
@@ -7956,8 +7956,8 @@
           </p:sp>
         </mc:Fallback>
       </mc:AlternateContent>
-      <mc:AlternateContent xmlns:mc="http://schemas.openxmlformats.org/markup-compatibility/2006">
-        <mc:Choice xmlns:a14="http://schemas.microsoft.com/office/drawing/2010/main" Requires="a14">
+      <mc:AlternateContent xmlns:mc="http://schemas.openxmlformats.org/markup-compatibility/2006" xmlns:a14="http://schemas.microsoft.com/office/drawing/2010/main">
+        <mc:Choice Requires="a14">
           <p:sp>
             <p:nvSpPr>
               <p:cNvPr id="105" name="TextBox 104"/>
@@ -8019,7 +8019,7 @@
             </p:txBody>
           </p:sp>
         </mc:Choice>
-        <mc:Fallback>
+        <mc:Fallback xmlns="">
           <p:sp>
             <p:nvSpPr>
               <p:cNvPr id="105" name="TextBox 104"/>
@@ -8058,8 +8058,8 @@
           </p:sp>
         </mc:Fallback>
       </mc:AlternateContent>
-      <mc:AlternateContent xmlns:mc="http://schemas.openxmlformats.org/markup-compatibility/2006">
-        <mc:Choice xmlns:a14="http://schemas.microsoft.com/office/drawing/2010/main" Requires="a14">
+      <mc:AlternateContent xmlns:mc="http://schemas.openxmlformats.org/markup-compatibility/2006" xmlns:a14="http://schemas.microsoft.com/office/drawing/2010/main">
+        <mc:Choice Requires="a14">
           <p:sp>
             <p:nvSpPr>
               <p:cNvPr id="106" name="TextBox 105"/>
@@ -8133,7 +8133,7 @@
             </p:txBody>
           </p:sp>
         </mc:Choice>
-        <mc:Fallback>
+        <mc:Fallback xmlns="">
           <p:sp>
             <p:nvSpPr>
               <p:cNvPr id="106" name="TextBox 105"/>
@@ -13713,7 +13713,7 @@
         </p:nvSpPr>
         <p:spPr>
           <a:xfrm>
-            <a:off x="629715" y="37866121"/>
+            <a:off x="629715" y="37670179"/>
             <a:ext cx="29160000" cy="1015663"/>
           </a:xfrm>
           <a:prstGeom prst="rect">
@@ -13976,7 +13976,7 @@
         </p:nvSpPr>
         <p:spPr>
           <a:xfrm>
-            <a:off x="644531" y="38884907"/>
+            <a:off x="644531" y="38688965"/>
             <a:ext cx="27721176" cy="1323439"/>
           </a:xfrm>
           <a:prstGeom prst="rect">
@@ -14172,7 +14172,7 @@
         </p:nvSpPr>
         <p:spPr>
           <a:xfrm>
-            <a:off x="629715" y="40263584"/>
+            <a:off x="629715" y="40002326"/>
             <a:ext cx="29160000" cy="1015663"/>
           </a:xfrm>
           <a:prstGeom prst="rect">
@@ -14247,7 +14247,7 @@
         </p:nvSpPr>
         <p:spPr>
           <a:xfrm>
-            <a:off x="2540234" y="40394100"/>
+            <a:off x="2540234" y="40165501"/>
             <a:ext cx="13680000" cy="769441"/>
           </a:xfrm>
           <a:prstGeom prst="rect">
@@ -14330,7 +14330,7 @@
         </p:blipFill>
         <p:spPr>
           <a:xfrm>
-            <a:off x="1582817" y="40379049"/>
+            <a:off x="1582817" y="40183107"/>
             <a:ext cx="900000" cy="735658"/>
           </a:xfrm>
           <a:prstGeom prst="rect">
@@ -14352,7 +14352,7 @@
         </p:nvSpPr>
         <p:spPr>
           <a:xfrm>
-            <a:off x="24583779" y="40386694"/>
+            <a:off x="24583779" y="40158095"/>
             <a:ext cx="7367914" cy="769441"/>
           </a:xfrm>
           <a:prstGeom prst="rect">
@@ -14404,7 +14404,7 @@
         </p:blipFill>
         <p:spPr>
           <a:xfrm>
-            <a:off x="23328803" y="40329535"/>
+            <a:off x="23328803" y="40068279"/>
             <a:ext cx="900000" cy="900000"/>
           </a:xfrm>
           <a:prstGeom prst="rect">
@@ -14426,7 +14426,7 @@
         </p:nvSpPr>
         <p:spPr>
           <a:xfrm>
-            <a:off x="644531" y="41371870"/>
+            <a:off x="644531" y="41241242"/>
             <a:ext cx="24012899" cy="3139321"/>
           </a:xfrm>
           <a:prstGeom prst="rect">
@@ -14505,6 +14505,36 @@
           </a:p>
         </p:txBody>
       </p:sp>
+      <p:pic>
+        <p:nvPicPr>
+          <p:cNvPr id="4" name="Picture 3"/>
+          <p:cNvPicPr>
+            <a:picLocks noChangeAspect="1"/>
+          </p:cNvPicPr>
+          <p:nvPr/>
+        </p:nvPicPr>
+        <p:blipFill>
+          <a:blip r:embed="rId25" cstate="print">
+            <a:extLst>
+              <a:ext uri="{28A0092B-C50C-407E-A947-70E740481C1C}">
+                <a14:useLocalDpi xmlns:a14="http://schemas.microsoft.com/office/drawing/2010/main" val="0"/>
+              </a:ext>
+            </a:extLst>
+          </a:blip>
+          <a:stretch>
+            <a:fillRect/>
+          </a:stretch>
+        </p:blipFill>
+        <p:spPr>
+          <a:xfrm>
+            <a:off x="25832095" y="41017989"/>
+            <a:ext cx="1800000" cy="1800000"/>
+          </a:xfrm>
+          <a:prstGeom prst="rect">
+            <a:avLst/>
+          </a:prstGeom>
+        </p:spPr>
+      </p:pic>
     </p:spTree>
     <p:extLst>
       <p:ext uri="{BB962C8B-B14F-4D97-AF65-F5344CB8AC3E}">
@@ -15522,21 +15552,12 @@
 </file>
 
 <file path=customXml/item1.xml><?xml version="1.0" encoding="utf-8"?>
-<?mso-contentType ?>
-<FormTemplates xmlns="http://schemas.microsoft.com/sharepoint/v3/contenttype/forms">
-  <Display>DocumentLibraryForm</Display>
-  <Edit>DocumentLibraryForm</Edit>
-  <New>DocumentLibraryForm</New>
-</FormTemplates>
-</file>
-
-<file path=customXml/item2.xml><?xml version="1.0" encoding="utf-8"?>
 <p:properties xmlns:p="http://schemas.microsoft.com/office/2006/metadata/properties" xmlns:xsi="http://www.w3.org/2001/XMLSchema-instance" xmlns:pc="http://schemas.microsoft.com/office/infopath/2007/PartnerControls">
   <documentManagement/>
 </p:properties>
 </file>
 
-<file path=customXml/item3.xml><?xml version="1.0" encoding="utf-8"?>
+<file path=customXml/item2.xml><?xml version="1.0" encoding="utf-8"?>
 <ct:contentTypeSchema xmlns:ct="http://schemas.microsoft.com/office/2006/metadata/contentType" xmlns:ma="http://schemas.microsoft.com/office/2006/metadata/properties/metaAttributes" ct:_="" ma:_="" ma:contentTypeName="Document" ma:contentTypeID="0x010100995CC7C9B536DE44A9E890D245E0781F" ma:contentTypeVersion="13" ma:contentTypeDescription="Create a new document." ma:contentTypeScope="" ma:versionID="14cb8a9ea8f0ed0ddf968a24da3748b5">
   <xsd:schema xmlns:xsd="http://www.w3.org/2001/XMLSchema" xmlns:xs="http://www.w3.org/2001/XMLSchema" xmlns:p="http://schemas.microsoft.com/office/2006/metadata/properties" xmlns:ns3="6bb09225-2e29-475b-8747-53d1cf4adddb" xmlns:ns4="21fda460-07d1-4d5a-98be-f4f5f3ec06ab" targetNamespace="http://schemas.microsoft.com/office/2006/metadata/properties" ma:root="true" ma:fieldsID="22c97f774dc3d213b72670e3973ea27c" ns3:_="" ns4:_="">
     <xsd:import namespace="6bb09225-2e29-475b-8747-53d1cf4adddb"/>
@@ -15759,32 +15780,33 @@
 </ct:contentTypeSchema>
 </file>
 
+<file path=customXml/item3.xml><?xml version="1.0" encoding="utf-8"?>
+<?mso-contentType ?>
+<FormTemplates xmlns="http://schemas.microsoft.com/sharepoint/v3/contenttype/forms">
+  <Display>DocumentLibraryForm</Display>
+  <Edit>DocumentLibraryForm</Edit>
+  <New>DocumentLibraryForm</New>
+</FormTemplates>
+</file>
+
 <file path=customXml/itemProps1.xml><?xml version="1.0" encoding="utf-8"?>
-<ds:datastoreItem xmlns:ds="http://schemas.openxmlformats.org/officeDocument/2006/customXml" ds:itemID="{D09C9A35-B5DB-4C0D-807F-B6FBD816ABDD}">
+<ds:datastoreItem xmlns:ds="http://schemas.openxmlformats.org/officeDocument/2006/customXml" ds:itemID="{0C7BC9EC-883E-41DE-80AE-BAE7FE1D9430}">
   <ds:schemaRefs>
-    <ds:schemaRef ds:uri="http://schemas.microsoft.com/sharepoint/v3/contenttype/forms"/>
+    <ds:schemaRef ds:uri="21fda460-07d1-4d5a-98be-f4f5f3ec06ab"/>
+    <ds:schemaRef ds:uri="http://purl.org/dc/terms/"/>
+    <ds:schemaRef ds:uri="http://schemas.microsoft.com/office/2006/documentManagement/types"/>
+    <ds:schemaRef ds:uri="http://purl.org/dc/dcmitype/"/>
+    <ds:schemaRef ds:uri="http://schemas.microsoft.com/office/infopath/2007/PartnerControls"/>
+    <ds:schemaRef ds:uri="http://purl.org/dc/elements/1.1/"/>
+    <ds:schemaRef ds:uri="http://schemas.microsoft.com/office/2006/metadata/properties"/>
+    <ds:schemaRef ds:uri="http://schemas.openxmlformats.org/package/2006/metadata/core-properties"/>
+    <ds:schemaRef ds:uri="6bb09225-2e29-475b-8747-53d1cf4adddb"/>
+    <ds:schemaRef ds:uri="http://www.w3.org/XML/1998/namespace"/>
   </ds:schemaRefs>
 </ds:datastoreItem>
 </file>
 
 <file path=customXml/itemProps2.xml><?xml version="1.0" encoding="utf-8"?>
-<ds:datastoreItem xmlns:ds="http://schemas.openxmlformats.org/officeDocument/2006/customXml" ds:itemID="{0C7BC9EC-883E-41DE-80AE-BAE7FE1D9430}">
-  <ds:schemaRefs>
-    <ds:schemaRef ds:uri="http://purl.org/dc/terms/"/>
-    <ds:schemaRef ds:uri="http://schemas.microsoft.com/office/infopath/2007/PartnerControls"/>
-    <ds:schemaRef ds:uri="http://schemas.microsoft.com/office/2006/documentManagement/types"/>
-    <ds:schemaRef ds:uri="21fda460-07d1-4d5a-98be-f4f5f3ec06ab"/>
-    <ds:schemaRef ds:uri="http://purl.org/dc/elements/1.1/"/>
-    <ds:schemaRef ds:uri="http://schemas.microsoft.com/office/2006/metadata/properties"/>
-    <ds:schemaRef ds:uri="http://schemas.openxmlformats.org/package/2006/metadata/core-properties"/>
-    <ds:schemaRef ds:uri="6bb09225-2e29-475b-8747-53d1cf4adddb"/>
-    <ds:schemaRef ds:uri="http://www.w3.org/XML/1998/namespace"/>
-    <ds:schemaRef ds:uri="http://purl.org/dc/dcmitype/"/>
-  </ds:schemaRefs>
-</ds:datastoreItem>
-</file>
-
-<file path=customXml/itemProps3.xml><?xml version="1.0" encoding="utf-8"?>
 <ds:datastoreItem xmlns:ds="http://schemas.openxmlformats.org/officeDocument/2006/customXml" ds:itemID="{BD07C941-E377-4AA9-B3B1-3B53FA65D991}">
   <ds:schemaRefs>
     <ds:schemaRef ds:uri="http://schemas.microsoft.com/office/2006/metadata/contentType"/>
@@ -15801,4 +15823,12 @@
     <ds:schemaRef ds:uri="http://schemas.microsoft.com/internal/obd"/>
   </ds:schemaRefs>
 </ds:datastoreItem>
+</file>
+
+<file path=customXml/itemProps3.xml><?xml version="1.0" encoding="utf-8"?>
+<ds:datastoreItem xmlns:ds="http://schemas.openxmlformats.org/officeDocument/2006/customXml" ds:itemID="{D09C9A35-B5DB-4C0D-807F-B6FBD816ABDD}">
+  <ds:schemaRefs>
+    <ds:schemaRef ds:uri="http://schemas.microsoft.com/sharepoint/v3/contenttype/forms"/>
+  </ds:schemaRefs>
+</ds:datastoreItem>
 </file>
--- a/IWSM_2022_Poster.pptx
+++ b/IWSM_2022_Poster.pptx
@@ -4894,7 +4894,7 @@
         </p:nvGrpSpPr>
         <p:grpSpPr>
           <a:xfrm>
-            <a:off x="318820" y="3750501"/>
+            <a:off x="344140" y="3718435"/>
             <a:ext cx="14400000" cy="1015664"/>
             <a:chOff x="901371" y="5146147"/>
             <a:chExt cx="9564132" cy="759786"/>
@@ -5142,7 +5142,7 @@
         </p:nvSpPr>
         <p:spPr>
           <a:xfrm>
-            <a:off x="210101" y="10014301"/>
+            <a:off x="292876" y="9949273"/>
             <a:ext cx="14400000" cy="1015663"/>
           </a:xfrm>
           <a:prstGeom prst="rect">
@@ -14285,7 +14285,7 @@
                 <a:hlinkClick r:id="rId22">
                   <a:extLst>
                     <a:ext uri="{A12FA001-AC4F-418D-AE19-62706E023703}">
-                      <ahyp:hlinkClr xmlns:ahyp="http://schemas.microsoft.com/office/drawing/2018/hyperlinkcolor" xmlns="" val="tx"/>
+                      <ahyp:hlinkClr xmlns="" xmlns:ahyp="http://schemas.microsoft.com/office/drawing/2018/hyperlinkcolor" val="tx"/>
                     </a:ext>
                   </a:extLst>
                 </a:hlinkClick>
@@ -14352,7 +14352,7 @@
         </p:nvSpPr>
         <p:spPr>
           <a:xfrm>
-            <a:off x="24583779" y="40158095"/>
+            <a:off x="24570194" y="40165500"/>
             <a:ext cx="7367914" cy="769441"/>
           </a:xfrm>
           <a:prstGeom prst="rect">
@@ -14426,7 +14426,7 @@
         </p:nvSpPr>
         <p:spPr>
           <a:xfrm>
-            <a:off x="644531" y="41241242"/>
+            <a:off x="644531" y="41273899"/>
             <a:ext cx="24012899" cy="3139321"/>
           </a:xfrm>
           <a:prstGeom prst="rect">
@@ -15552,9 +15552,12 @@
 </file>
 
 <file path=customXml/item1.xml><?xml version="1.0" encoding="utf-8"?>
-<p:properties xmlns:p="http://schemas.microsoft.com/office/2006/metadata/properties" xmlns:xsi="http://www.w3.org/2001/XMLSchema-instance" xmlns:pc="http://schemas.microsoft.com/office/infopath/2007/PartnerControls">
-  <documentManagement/>
-</p:properties>
+<?mso-contentType ?>
+<FormTemplates xmlns="http://schemas.microsoft.com/sharepoint/v3/contenttype/forms">
+  <Display>DocumentLibraryForm</Display>
+  <Edit>DocumentLibraryForm</Edit>
+  <New>DocumentLibraryForm</New>
+</FormTemplates>
 </file>
 
 <file path=customXml/item2.xml><?xml version="1.0" encoding="utf-8"?>
@@ -15781,27 +15784,15 @@
 </file>
 
 <file path=customXml/item3.xml><?xml version="1.0" encoding="utf-8"?>
-<?mso-contentType ?>
-<FormTemplates xmlns="http://schemas.microsoft.com/sharepoint/v3/contenttype/forms">
-  <Display>DocumentLibraryForm</Display>
-  <Edit>DocumentLibraryForm</Edit>
-  <New>DocumentLibraryForm</New>
-</FormTemplates>
+<p:properties xmlns:p="http://schemas.microsoft.com/office/2006/metadata/properties" xmlns:xsi="http://www.w3.org/2001/XMLSchema-instance" xmlns:pc="http://schemas.microsoft.com/office/infopath/2007/PartnerControls">
+  <documentManagement/>
+</p:properties>
 </file>
 
 <file path=customXml/itemProps1.xml><?xml version="1.0" encoding="utf-8"?>
-<ds:datastoreItem xmlns:ds="http://schemas.openxmlformats.org/officeDocument/2006/customXml" ds:itemID="{0C7BC9EC-883E-41DE-80AE-BAE7FE1D9430}">
+<ds:datastoreItem xmlns:ds="http://schemas.openxmlformats.org/officeDocument/2006/customXml" ds:itemID="{D09C9A35-B5DB-4C0D-807F-B6FBD816ABDD}">
   <ds:schemaRefs>
-    <ds:schemaRef ds:uri="21fda460-07d1-4d5a-98be-f4f5f3ec06ab"/>
-    <ds:schemaRef ds:uri="http://purl.org/dc/terms/"/>
-    <ds:schemaRef ds:uri="http://schemas.microsoft.com/office/2006/documentManagement/types"/>
-    <ds:schemaRef ds:uri="http://purl.org/dc/dcmitype/"/>
-    <ds:schemaRef ds:uri="http://schemas.microsoft.com/office/infopath/2007/PartnerControls"/>
-    <ds:schemaRef ds:uri="http://purl.org/dc/elements/1.1/"/>
-    <ds:schemaRef ds:uri="http://schemas.microsoft.com/office/2006/metadata/properties"/>
-    <ds:schemaRef ds:uri="http://schemas.openxmlformats.org/package/2006/metadata/core-properties"/>
-    <ds:schemaRef ds:uri="6bb09225-2e29-475b-8747-53d1cf4adddb"/>
-    <ds:schemaRef ds:uri="http://www.w3.org/XML/1998/namespace"/>
+    <ds:schemaRef ds:uri="http://schemas.microsoft.com/sharepoint/v3/contenttype/forms"/>
   </ds:schemaRefs>
 </ds:datastoreItem>
 </file>
@@ -15826,9 +15817,18 @@
 </file>
 
 <file path=customXml/itemProps3.xml><?xml version="1.0" encoding="utf-8"?>
-<ds:datastoreItem xmlns:ds="http://schemas.openxmlformats.org/officeDocument/2006/customXml" ds:itemID="{D09C9A35-B5DB-4C0D-807F-B6FBD816ABDD}">
+<ds:datastoreItem xmlns:ds="http://schemas.openxmlformats.org/officeDocument/2006/customXml" ds:itemID="{0C7BC9EC-883E-41DE-80AE-BAE7FE1D9430}">
   <ds:schemaRefs>
-    <ds:schemaRef ds:uri="http://schemas.microsoft.com/sharepoint/v3/contenttype/forms"/>
+    <ds:schemaRef ds:uri="http://purl.org/dc/terms/"/>
+    <ds:schemaRef ds:uri="http://schemas.openxmlformats.org/package/2006/metadata/core-properties"/>
+    <ds:schemaRef ds:uri="http://purl.org/dc/dcmitype/"/>
+    <ds:schemaRef ds:uri="http://schemas.microsoft.com/office/infopath/2007/PartnerControls"/>
+    <ds:schemaRef ds:uri="http://purl.org/dc/elements/1.1/"/>
+    <ds:schemaRef ds:uri="http://schemas.microsoft.com/office/2006/metadata/properties"/>
+    <ds:schemaRef ds:uri="http://schemas.microsoft.com/office/2006/documentManagement/types"/>
+    <ds:schemaRef ds:uri="21fda460-07d1-4d5a-98be-f4f5f3ec06ab"/>
+    <ds:schemaRef ds:uri="6bb09225-2e29-475b-8747-53d1cf4adddb"/>
+    <ds:schemaRef ds:uri="http://www.w3.org/XML/1998/namespace"/>
   </ds:schemaRefs>
 </ds:datastoreItem>
 </file>
--- a/IWSM_2022_Poster.pptx
+++ b/IWSM_2022_Poster.pptx
@@ -13643,7 +13643,15 @@
                 <a:ea typeface="Roboto" pitchFamily="2" charset="0"/>
                 <a:cs typeface="Calibri" panose="020F0502020204030204" pitchFamily="34" charset="0"/>
               </a:rPr>
-              <a:t>Table 4. </a:t>
+              <a:t>Table </a:t>
+            </a:r>
+            <a:r>
+              <a:rPr lang="en-IE" sz="3600" b="1" dirty="0" smtClean="0">
+                <a:latin typeface="Calibri" panose="020F0502020204030204" pitchFamily="34" charset="0"/>
+                <a:ea typeface="Roboto" pitchFamily="2" charset="0"/>
+                <a:cs typeface="Calibri" panose="020F0502020204030204" pitchFamily="34" charset="0"/>
+              </a:rPr>
+              <a:t>3. </a:t>
             </a:r>
             <a:r>
               <a:rPr lang="en-IE" sz="3600" dirty="0">
@@ -13950,12 +13958,20 @@
           <a:p>
             <a:pPr algn="just"/>
             <a:r>
-              <a:rPr lang="en-IE" sz="3600" b="1" dirty="0">
+              <a:rPr lang="en-IE" sz="3600" b="1">
                 <a:latin typeface="Calibri" panose="020F0502020204030204" pitchFamily="34" charset="0"/>
                 <a:ea typeface="Roboto" pitchFamily="2" charset="0"/>
                 <a:cs typeface="Calibri" panose="020F0502020204030204" pitchFamily="34" charset="0"/>
               </a:rPr>
-              <a:t>Figure 4. </a:t>
+              <a:t>Figure </a:t>
+            </a:r>
+            <a:r>
+              <a:rPr lang="en-IE" sz="3600" b="1" smtClean="0">
+                <a:latin typeface="Calibri" panose="020F0502020204030204" pitchFamily="34" charset="0"/>
+                <a:ea typeface="Roboto" pitchFamily="2" charset="0"/>
+                <a:cs typeface="Calibri" panose="020F0502020204030204" pitchFamily="34" charset="0"/>
+              </a:rPr>
+              <a:t>3. </a:t>
             </a:r>
             <a:r>
               <a:rPr lang="en-IE" sz="3600" dirty="0">
@@ -14285,7 +14301,7 @@
                 <a:hlinkClick r:id="rId22">
                   <a:extLst>
                     <a:ext uri="{A12FA001-AC4F-418D-AE19-62706E023703}">
-                      <ahyp:hlinkClr xmlns="" xmlns:ahyp="http://schemas.microsoft.com/office/drawing/2018/hyperlinkcolor" val="tx"/>
+                      <ahyp:hlinkClr xmlns:ahyp="http://schemas.microsoft.com/office/drawing/2018/hyperlinkcolor" xmlns="" val="tx"/>
                     </a:ext>
                   </a:extLst>
                 </a:hlinkClick>
@@ -15552,12 +15568,9 @@
 </file>
 
 <file path=customXml/item1.xml><?xml version="1.0" encoding="utf-8"?>
-<?mso-contentType ?>
-<FormTemplates xmlns="http://schemas.microsoft.com/sharepoint/v3/contenttype/forms">
-  <Display>DocumentLibraryForm</Display>
-  <Edit>DocumentLibraryForm</Edit>
-  <New>DocumentLibraryForm</New>
-</FormTemplates>
+<p:properties xmlns:p="http://schemas.microsoft.com/office/2006/metadata/properties" xmlns:xsi="http://www.w3.org/2001/XMLSchema-instance" xmlns:pc="http://schemas.microsoft.com/office/infopath/2007/PartnerControls">
+  <documentManagement/>
+</p:properties>
 </file>
 
 <file path=customXml/item2.xml><?xml version="1.0" encoding="utf-8"?>
@@ -15784,15 +15797,27 @@
 </file>
 
 <file path=customXml/item3.xml><?xml version="1.0" encoding="utf-8"?>
-<p:properties xmlns:p="http://schemas.microsoft.com/office/2006/metadata/properties" xmlns:xsi="http://www.w3.org/2001/XMLSchema-instance" xmlns:pc="http://schemas.microsoft.com/office/infopath/2007/PartnerControls">
-  <documentManagement/>
-</p:properties>
+<?mso-contentType ?>
+<FormTemplates xmlns="http://schemas.microsoft.com/sharepoint/v3/contenttype/forms">
+  <Display>DocumentLibraryForm</Display>
+  <Edit>DocumentLibraryForm</Edit>
+  <New>DocumentLibraryForm</New>
+</FormTemplates>
 </file>
 
 <file path=customXml/itemProps1.xml><?xml version="1.0" encoding="utf-8"?>
-<ds:datastoreItem xmlns:ds="http://schemas.openxmlformats.org/officeDocument/2006/customXml" ds:itemID="{D09C9A35-B5DB-4C0D-807F-B6FBD816ABDD}">
+<ds:datastoreItem xmlns:ds="http://schemas.openxmlformats.org/officeDocument/2006/customXml" ds:itemID="{0C7BC9EC-883E-41DE-80AE-BAE7FE1D9430}">
   <ds:schemaRefs>
-    <ds:schemaRef ds:uri="http://schemas.microsoft.com/sharepoint/v3/contenttype/forms"/>
+    <ds:schemaRef ds:uri="http://schemas.microsoft.com/office/2006/documentManagement/types"/>
+    <ds:schemaRef ds:uri="http://schemas.microsoft.com/office/2006/metadata/properties"/>
+    <ds:schemaRef ds:uri="21fda460-07d1-4d5a-98be-f4f5f3ec06ab"/>
+    <ds:schemaRef ds:uri="http://purl.org/dc/terms/"/>
+    <ds:schemaRef ds:uri="http://schemas.openxmlformats.org/package/2006/metadata/core-properties"/>
+    <ds:schemaRef ds:uri="http://purl.org/dc/dcmitype/"/>
+    <ds:schemaRef ds:uri="http://schemas.microsoft.com/office/infopath/2007/PartnerControls"/>
+    <ds:schemaRef ds:uri="6bb09225-2e29-475b-8747-53d1cf4adddb"/>
+    <ds:schemaRef ds:uri="http://www.w3.org/XML/1998/namespace"/>
+    <ds:schemaRef ds:uri="http://purl.org/dc/elements/1.1/"/>
   </ds:schemaRefs>
 </ds:datastoreItem>
 </file>
@@ -15817,18 +15842,9 @@
 </file>
 
 <file path=customXml/itemProps3.xml><?xml version="1.0" encoding="utf-8"?>
-<ds:datastoreItem xmlns:ds="http://schemas.openxmlformats.org/officeDocument/2006/customXml" ds:itemID="{0C7BC9EC-883E-41DE-80AE-BAE7FE1D9430}">
+<ds:datastoreItem xmlns:ds="http://schemas.openxmlformats.org/officeDocument/2006/customXml" ds:itemID="{D09C9A35-B5DB-4C0D-807F-B6FBD816ABDD}">
   <ds:schemaRefs>
-    <ds:schemaRef ds:uri="http://purl.org/dc/terms/"/>
-    <ds:schemaRef ds:uri="http://schemas.openxmlformats.org/package/2006/metadata/core-properties"/>
-    <ds:schemaRef ds:uri="http://purl.org/dc/dcmitype/"/>
-    <ds:schemaRef ds:uri="http://schemas.microsoft.com/office/infopath/2007/PartnerControls"/>
-    <ds:schemaRef ds:uri="http://purl.org/dc/elements/1.1/"/>
-    <ds:schemaRef ds:uri="http://schemas.microsoft.com/office/2006/metadata/properties"/>
-    <ds:schemaRef ds:uri="http://schemas.microsoft.com/office/2006/documentManagement/types"/>
-    <ds:schemaRef ds:uri="21fda460-07d1-4d5a-98be-f4f5f3ec06ab"/>
-    <ds:schemaRef ds:uri="6bb09225-2e29-475b-8747-53d1cf4adddb"/>
-    <ds:schemaRef ds:uri="http://www.w3.org/XML/1998/namespace"/>
+    <ds:schemaRef ds:uri="http://schemas.microsoft.com/sharepoint/v3/contenttype/forms"/>
   </ds:schemaRefs>
 </ds:datastoreItem>
 </file>